--- a/Explanations.pptx
+++ b/Explanations.pptx
@@ -7,8 +7,9 @@
   <p:sldIdLst>
     <p:sldId id="256" r:id="rId2"/>
     <p:sldId id="257" r:id="rId3"/>
-    <p:sldId id="258" r:id="rId4"/>
-    <p:sldId id="259" r:id="rId5"/>
+    <p:sldId id="260" r:id="rId4"/>
+    <p:sldId id="258" r:id="rId5"/>
+    <p:sldId id="259" r:id="rId6"/>
   </p:sldIdLst>
   <p:sldSz cx="12192000" cy="6858000"/>
   <p:notesSz cx="6858000" cy="9144000"/>
@@ -107,6 +108,11 @@
       </a:defRPr>
     </a:lvl9pPr>
   </p:defaultTextStyle>
+  <p:extLst>
+    <p:ext uri="{EFAFB233-063F-42B5-8137-9DF3F51BA10A}">
+      <p15:sldGuideLst xmlns:p15="http://schemas.microsoft.com/office/powerpoint/2012/main"/>
+    </p:ext>
+  </p:extLst>
 </p:presentation>
 </file>
 
@@ -257,7 +263,7 @@
           <a:p>
             <a:fld id="{46AA48CE-DA7F-4945-BAB4-7CC01AD267EC}" type="datetimeFigureOut">
               <a:rPr lang="fi-FI" smtClean="0"/>
-              <a:t>3.12.2023</a:t>
+              <a:t>4.12.2023</a:t>
             </a:fld>
             <a:endParaRPr lang="fi-FI"/>
           </a:p>
@@ -455,7 +461,7 @@
           <a:p>
             <a:fld id="{46AA48CE-DA7F-4945-BAB4-7CC01AD267EC}" type="datetimeFigureOut">
               <a:rPr lang="fi-FI" smtClean="0"/>
-              <a:t>3.12.2023</a:t>
+              <a:t>4.12.2023</a:t>
             </a:fld>
             <a:endParaRPr lang="fi-FI"/>
           </a:p>
@@ -663,7 +669,7 @@
           <a:p>
             <a:fld id="{46AA48CE-DA7F-4945-BAB4-7CC01AD267EC}" type="datetimeFigureOut">
               <a:rPr lang="fi-FI" smtClean="0"/>
-              <a:t>3.12.2023</a:t>
+              <a:t>4.12.2023</a:t>
             </a:fld>
             <a:endParaRPr lang="fi-FI"/>
           </a:p>
@@ -861,7 +867,7 @@
           <a:p>
             <a:fld id="{46AA48CE-DA7F-4945-BAB4-7CC01AD267EC}" type="datetimeFigureOut">
               <a:rPr lang="fi-FI" smtClean="0"/>
-              <a:t>3.12.2023</a:t>
+              <a:t>4.12.2023</a:t>
             </a:fld>
             <a:endParaRPr lang="fi-FI"/>
           </a:p>
@@ -1136,7 +1142,7 @@
           <a:p>
             <a:fld id="{46AA48CE-DA7F-4945-BAB4-7CC01AD267EC}" type="datetimeFigureOut">
               <a:rPr lang="fi-FI" smtClean="0"/>
-              <a:t>3.12.2023</a:t>
+              <a:t>4.12.2023</a:t>
             </a:fld>
             <a:endParaRPr lang="fi-FI"/>
           </a:p>
@@ -1401,7 +1407,7 @@
           <a:p>
             <a:fld id="{46AA48CE-DA7F-4945-BAB4-7CC01AD267EC}" type="datetimeFigureOut">
               <a:rPr lang="fi-FI" smtClean="0"/>
-              <a:t>3.12.2023</a:t>
+              <a:t>4.12.2023</a:t>
             </a:fld>
             <a:endParaRPr lang="fi-FI"/>
           </a:p>
@@ -1813,7 +1819,7 @@
           <a:p>
             <a:fld id="{46AA48CE-DA7F-4945-BAB4-7CC01AD267EC}" type="datetimeFigureOut">
               <a:rPr lang="fi-FI" smtClean="0"/>
-              <a:t>3.12.2023</a:t>
+              <a:t>4.12.2023</a:t>
             </a:fld>
             <a:endParaRPr lang="fi-FI"/>
           </a:p>
@@ -1954,7 +1960,7 @@
           <a:p>
             <a:fld id="{46AA48CE-DA7F-4945-BAB4-7CC01AD267EC}" type="datetimeFigureOut">
               <a:rPr lang="fi-FI" smtClean="0"/>
-              <a:t>3.12.2023</a:t>
+              <a:t>4.12.2023</a:t>
             </a:fld>
             <a:endParaRPr lang="fi-FI"/>
           </a:p>
@@ -2067,7 +2073,7 @@
           <a:p>
             <a:fld id="{46AA48CE-DA7F-4945-BAB4-7CC01AD267EC}" type="datetimeFigureOut">
               <a:rPr lang="fi-FI" smtClean="0"/>
-              <a:t>3.12.2023</a:t>
+              <a:t>4.12.2023</a:t>
             </a:fld>
             <a:endParaRPr lang="fi-FI"/>
           </a:p>
@@ -2378,7 +2384,7 @@
           <a:p>
             <a:fld id="{46AA48CE-DA7F-4945-BAB4-7CC01AD267EC}" type="datetimeFigureOut">
               <a:rPr lang="fi-FI" smtClean="0"/>
-              <a:t>3.12.2023</a:t>
+              <a:t>4.12.2023</a:t>
             </a:fld>
             <a:endParaRPr lang="fi-FI"/>
           </a:p>
@@ -2666,7 +2672,7 @@
           <a:p>
             <a:fld id="{46AA48CE-DA7F-4945-BAB4-7CC01AD267EC}" type="datetimeFigureOut">
               <a:rPr lang="fi-FI" smtClean="0"/>
-              <a:t>3.12.2023</a:t>
+              <a:t>4.12.2023</a:t>
             </a:fld>
             <a:endParaRPr lang="fi-FI"/>
           </a:p>
@@ -2907,7 +2913,7 @@
           <a:p>
             <a:fld id="{46AA48CE-DA7F-4945-BAB4-7CC01AD267EC}" type="datetimeFigureOut">
               <a:rPr lang="fi-FI" smtClean="0"/>
-              <a:t>3.12.2023</a:t>
+              <a:t>4.12.2023</a:t>
             </a:fld>
             <a:endParaRPr lang="fi-FI"/>
           </a:p>
@@ -3685,7 +3691,7 @@
           <p:cNvPr id="2" name="Otsikko 1">
             <a:extLst>
               <a:ext uri="{FF2B5EF4-FFF2-40B4-BE49-F238E27FC236}">
-                <a16:creationId xmlns:a16="http://schemas.microsoft.com/office/drawing/2014/main" id="{1B7A2034-D8C2-4D49-A8F8-A8EC970047EC}"/>
+                <a16:creationId xmlns:a16="http://schemas.microsoft.com/office/drawing/2014/main" id="{37C9EB80-F7B3-D3BA-D072-E2B82CC22B6B}"/>
               </a:ext>
             </a:extLst>
           </p:cNvPr>
@@ -3703,15 +3709,7 @@
           <a:p>
             <a:r>
               <a:rPr lang="fi-FI" dirty="0" err="1"/>
-              <a:t>Explanations</a:t>
-            </a:r>
-            <a:r>
-              <a:rPr lang="fi-FI" dirty="0"/>
-              <a:t>: </a:t>
-            </a:r>
-            <a:r>
-              <a:rPr lang="fi-FI" dirty="0" err="1"/>
-              <a:t>why</a:t>
+              <a:t>The</a:t>
             </a:r>
             <a:r>
               <a:rPr lang="fi-FI" dirty="0"/>
@@ -3719,12 +3717,17 @@
             </a:r>
             <a:r>
               <a:rPr lang="fi-FI" dirty="0" err="1"/>
-              <a:t>not</a:t>
-            </a:r>
-            <a:r>
-              <a:rPr lang="fi-FI" dirty="0"/>
-              <a:t> genre</a:t>
-            </a:r>
+              <a:t>algorithm</a:t>
+            </a:r>
+            <a:r>
+              <a:rPr lang="fi-FI" dirty="0"/>
+              <a:t> in </a:t>
+            </a:r>
+            <a:r>
+              <a:rPr lang="fi-FI" dirty="0" err="1"/>
+              <a:t>reality</a:t>
+            </a:r>
+            <a:endParaRPr lang="fi-FI" dirty="0"/>
           </a:p>
         </p:txBody>
       </p:sp>
@@ -3733,7 +3736,7 @@
           <p:cNvPr id="3" name="Sisällön paikkamerkki 2">
             <a:extLst>
               <a:ext uri="{FF2B5EF4-FFF2-40B4-BE49-F238E27FC236}">
-                <a16:creationId xmlns:a16="http://schemas.microsoft.com/office/drawing/2014/main" id="{47FC3C59-7D3B-C9CD-B2D2-AB357AEA95BA}"/>
+                <a16:creationId xmlns:a16="http://schemas.microsoft.com/office/drawing/2014/main" id="{703C21F0-6643-A5CC-D66E-25FDD775DC89}"/>
               </a:ext>
             </a:extLst>
           </p:cNvPr>
@@ -3750,12 +3753,16 @@
           <a:lstStyle/>
           <a:p>
             <a:r>
-              <a:rPr lang="fi-FI" dirty="0"/>
-              <a:t>In </a:t>
-            </a:r>
-            <a:r>
-              <a:rPr lang="fi-FI" dirty="0" err="1"/>
-              <a:t>the</a:t>
+              <a:rPr lang="fi-FI" dirty="0" err="1"/>
+              <a:t>Counts</a:t>
+            </a:r>
+            <a:r>
+              <a:rPr lang="fi-FI" dirty="0"/>
+              <a:t> data </a:t>
+            </a:r>
+            <a:r>
+              <a:rPr lang="fi-FI" dirty="0" err="1"/>
+              <a:t>from</a:t>
             </a:r>
             <a:r>
               <a:rPr lang="fi-FI" dirty="0"/>
@@ -3763,17 +3770,225 @@
             </a:r>
             <a:r>
               <a:rPr lang="fi-FI" dirty="0" err="1"/>
-              <a:t>paper</a:t>
-            </a:r>
-            <a:r>
-              <a:rPr lang="fi-FI" dirty="0"/>
-              <a:t>: </a:t>
-            </a:r>
-          </a:p>
-          <a:p>
-            <a:r>
-              <a:rPr lang="fi-FI" dirty="0" err="1"/>
-              <a:t>explanation</a:t>
+              <a:t>similiar</a:t>
+            </a:r>
+            <a:r>
+              <a:rPr lang="fi-FI" dirty="0"/>
+              <a:t> </a:t>
+            </a:r>
+            <a:r>
+              <a:rPr lang="fi-FI" dirty="0" err="1"/>
+              <a:t>users</a:t>
+            </a:r>
+            <a:r>
+              <a:rPr lang="fi-FI" dirty="0"/>
+              <a:t> for </a:t>
+            </a:r>
+            <a:r>
+              <a:rPr lang="fi-FI" dirty="0" err="1"/>
+              <a:t>item</a:t>
+            </a:r>
+            <a:r>
+              <a:rPr lang="fi-FI" dirty="0"/>
+              <a:t> (</a:t>
+            </a:r>
+            <a:r>
+              <a:rPr lang="fi-FI" dirty="0" err="1"/>
+              <a:t>review</a:t>
+            </a:r>
+            <a:r>
+              <a:rPr lang="fi-FI" dirty="0"/>
+              <a:t> </a:t>
+            </a:r>
+            <a:r>
+              <a:rPr lang="fi-FI" dirty="0" err="1"/>
+              <a:t>average</a:t>
+            </a:r>
+            <a:r>
+              <a:rPr lang="fi-FI" dirty="0"/>
+              <a:t>, </a:t>
+            </a:r>
+            <a:r>
+              <a:rPr lang="fi-FI" dirty="0" err="1"/>
+              <a:t>likes</a:t>
+            </a:r>
+            <a:r>
+              <a:rPr lang="fi-FI" dirty="0"/>
+              <a:t>, </a:t>
+            </a:r>
+            <a:r>
+              <a:rPr lang="fi-FI" dirty="0" err="1"/>
+              <a:t>dislikes</a:t>
+            </a:r>
+            <a:r>
+              <a:rPr lang="fi-FI" dirty="0"/>
+              <a:t>)</a:t>
+            </a:r>
+          </a:p>
+          <a:p>
+            <a:r>
+              <a:rPr lang="fi-FI" dirty="0" err="1"/>
+              <a:t>Checks</a:t>
+            </a:r>
+            <a:r>
+              <a:rPr lang="fi-FI" dirty="0"/>
+              <a:t> </a:t>
+            </a:r>
+            <a:r>
+              <a:rPr lang="fi-FI" dirty="0" err="1"/>
+              <a:t>have</a:t>
+            </a:r>
+            <a:r>
+              <a:rPr lang="fi-FI" dirty="0"/>
+              <a:t> </a:t>
+            </a:r>
+            <a:r>
+              <a:rPr lang="fi-FI" dirty="0" err="1"/>
+              <a:t>anyone</a:t>
+            </a:r>
+            <a:r>
+              <a:rPr lang="fi-FI" dirty="0"/>
+              <a:t> </a:t>
+            </a:r>
+            <a:r>
+              <a:rPr lang="fi-FI" dirty="0" err="1"/>
+              <a:t>rated</a:t>
+            </a:r>
+            <a:r>
+              <a:rPr lang="fi-FI" dirty="0"/>
+              <a:t> it</a:t>
+            </a:r>
+          </a:p>
+          <a:p>
+            <a:r>
+              <a:rPr lang="fi-FI" dirty="0" err="1"/>
+              <a:t>Checks</a:t>
+            </a:r>
+            <a:r>
+              <a:rPr lang="fi-FI" dirty="0"/>
+              <a:t> </a:t>
+            </a:r>
+            <a:r>
+              <a:rPr lang="fi-FI" dirty="0" err="1"/>
+              <a:t>if</a:t>
+            </a:r>
+            <a:r>
+              <a:rPr lang="fi-FI" dirty="0"/>
+              <a:t> it is </a:t>
+            </a:r>
+            <a:r>
+              <a:rPr lang="fi-FI" dirty="0" err="1"/>
+              <a:t>more</a:t>
+            </a:r>
+            <a:r>
+              <a:rPr lang="fi-FI" dirty="0"/>
+              <a:t> </a:t>
+            </a:r>
+            <a:r>
+              <a:rPr lang="fi-FI" dirty="0" err="1"/>
+              <a:t>disliked</a:t>
+            </a:r>
+            <a:r>
+              <a:rPr lang="fi-FI" dirty="0"/>
+              <a:t> </a:t>
+            </a:r>
+            <a:r>
+              <a:rPr lang="fi-FI" dirty="0" err="1"/>
+              <a:t>then</a:t>
+            </a:r>
+            <a:r>
+              <a:rPr lang="fi-FI" dirty="0"/>
+              <a:t> </a:t>
+            </a:r>
+            <a:r>
+              <a:rPr lang="fi-FI" dirty="0" err="1"/>
+              <a:t>liked</a:t>
+            </a:r>
+            <a:endParaRPr lang="fi-FI" dirty="0"/>
+          </a:p>
+          <a:p>
+            <a:r>
+              <a:rPr lang="fi-FI" dirty="0" err="1"/>
+              <a:t>Checks</a:t>
+            </a:r>
+            <a:r>
+              <a:rPr lang="fi-FI" dirty="0"/>
+              <a:t> </a:t>
+            </a:r>
+            <a:r>
+              <a:rPr lang="fi-FI" dirty="0" err="1"/>
+              <a:t>if</a:t>
+            </a:r>
+            <a:r>
+              <a:rPr lang="fi-FI" dirty="0"/>
+              <a:t> it </a:t>
+            </a:r>
+            <a:r>
+              <a:rPr lang="fi-FI" dirty="0" err="1"/>
+              <a:t>has</a:t>
+            </a:r>
+            <a:r>
+              <a:rPr lang="fi-FI" dirty="0"/>
+              <a:t> </a:t>
+            </a:r>
+            <a:r>
+              <a:rPr lang="fi-FI" dirty="0" err="1"/>
+              <a:t>bad</a:t>
+            </a:r>
+            <a:r>
+              <a:rPr lang="fi-FI" dirty="0"/>
+              <a:t> </a:t>
+            </a:r>
+            <a:r>
+              <a:rPr lang="fi-FI" dirty="0" err="1"/>
+              <a:t>average</a:t>
+            </a:r>
+            <a:r>
+              <a:rPr lang="fi-FI" dirty="0"/>
+              <a:t> </a:t>
+            </a:r>
+            <a:r>
+              <a:rPr lang="fi-FI" dirty="0" err="1"/>
+              <a:t>by</a:t>
+            </a:r>
+            <a:r>
+              <a:rPr lang="fi-FI" dirty="0"/>
+              <a:t> </a:t>
+            </a:r>
+            <a:r>
+              <a:rPr lang="fi-FI" dirty="0" err="1"/>
+              <a:t>peers</a:t>
+            </a:r>
+            <a:endParaRPr lang="fi-FI" dirty="0"/>
+          </a:p>
+          <a:p>
+            <a:r>
+              <a:rPr lang="fi-FI" dirty="0" err="1"/>
+              <a:t>Checks</a:t>
+            </a:r>
+            <a:r>
+              <a:rPr lang="fi-FI" dirty="0"/>
+              <a:t> </a:t>
+            </a:r>
+            <a:r>
+              <a:rPr lang="fi-FI" dirty="0" err="1"/>
+              <a:t>if</a:t>
+            </a:r>
+            <a:r>
+              <a:rPr lang="fi-FI" dirty="0"/>
+              <a:t> </a:t>
+            </a:r>
+            <a:r>
+              <a:rPr lang="fi-FI" dirty="0" err="1"/>
+              <a:t>prediction</a:t>
+            </a:r>
+            <a:r>
+              <a:rPr lang="fi-FI" dirty="0"/>
+              <a:t> </a:t>
+            </a:r>
+            <a:r>
+              <a:rPr lang="fi-FI" dirty="0" err="1"/>
+              <a:t>score</a:t>
             </a:r>
             <a:r>
               <a:rPr lang="fi-FI" dirty="0"/>
@@ -3781,127 +3996,7 @@
             </a:r>
             <a:r>
               <a:rPr lang="fi-FI" dirty="0" err="1"/>
-              <a:t>union</a:t>
-            </a:r>
-            <a:r>
-              <a:rPr lang="fi-FI" dirty="0"/>
-              <a:t> of </a:t>
-            </a:r>
-            <a:r>
-              <a:rPr lang="fi-FI" dirty="0" err="1"/>
-              <a:t>answers</a:t>
-            </a:r>
-            <a:r>
-              <a:rPr lang="fi-FI" dirty="0"/>
-              <a:t> for </a:t>
-            </a:r>
-            <a:r>
-              <a:rPr lang="fi-FI" dirty="0" err="1"/>
-              <a:t>items</a:t>
-            </a:r>
-            <a:r>
-              <a:rPr lang="fi-FI" dirty="0"/>
-              <a:t> in genre</a:t>
-            </a:r>
-          </a:p>
-          <a:p>
-            <a:r>
-              <a:rPr lang="fi-FI" dirty="0"/>
-              <a:t>In </a:t>
-            </a:r>
-            <a:r>
-              <a:rPr lang="fi-FI" dirty="0" err="1"/>
-              <a:t>our</a:t>
-            </a:r>
-            <a:r>
-              <a:rPr lang="fi-FI" dirty="0"/>
-              <a:t> </a:t>
-            </a:r>
-            <a:r>
-              <a:rPr lang="fi-FI" dirty="0" err="1"/>
-              <a:t>implementation</a:t>
-            </a:r>
-            <a:r>
-              <a:rPr lang="fi-FI" dirty="0"/>
-              <a:t>:</a:t>
-            </a:r>
-          </a:p>
-          <a:p>
-            <a:r>
-              <a:rPr lang="fi-FI" dirty="0" err="1"/>
-              <a:t>Explanations</a:t>
-            </a:r>
-            <a:r>
-              <a:rPr lang="fi-FI" dirty="0"/>
-              <a:t> made </a:t>
-            </a:r>
-            <a:r>
-              <a:rPr lang="fi-FI" dirty="0" err="1"/>
-              <a:t>calculating</a:t>
-            </a:r>
-            <a:r>
-              <a:rPr lang="fi-FI" dirty="0"/>
-              <a:t> </a:t>
-            </a:r>
-            <a:r>
-              <a:rPr lang="fi-FI" dirty="0" err="1"/>
-              <a:t>averages</a:t>
-            </a:r>
-            <a:r>
-              <a:rPr lang="fi-FI" dirty="0"/>
-              <a:t>, </a:t>
-            </a:r>
-            <a:r>
-              <a:rPr lang="fi-FI" dirty="0" err="1"/>
-              <a:t>maximum</a:t>
-            </a:r>
-            <a:r>
-              <a:rPr lang="fi-FI" dirty="0"/>
-              <a:t> </a:t>
-            </a:r>
-            <a:r>
-              <a:rPr lang="fi-FI" dirty="0" err="1"/>
-              <a:t>ratings</a:t>
-            </a:r>
-            <a:r>
-              <a:rPr lang="fi-FI" dirty="0"/>
-              <a:t> and </a:t>
-            </a:r>
-            <a:r>
-              <a:rPr lang="fi-FI" dirty="0" err="1"/>
-              <a:t>amount</a:t>
-            </a:r>
-            <a:r>
-              <a:rPr lang="fi-FI" dirty="0"/>
-              <a:t> </a:t>
-            </a:r>
-            <a:r>
-              <a:rPr lang="fi-FI" dirty="0" err="1"/>
-              <a:t>ofpersons</a:t>
-            </a:r>
-            <a:r>
-              <a:rPr lang="fi-FI" dirty="0"/>
-              <a:t> </a:t>
-            </a:r>
-            <a:r>
-              <a:rPr lang="fi-FI" dirty="0" err="1"/>
-              <a:t>who</a:t>
-            </a:r>
-            <a:r>
-              <a:rPr lang="fi-FI" dirty="0"/>
-              <a:t> </a:t>
-            </a:r>
-            <a:r>
-              <a:rPr lang="fi-FI" dirty="0" err="1"/>
-              <a:t>rated</a:t>
-            </a:r>
-            <a:r>
-              <a:rPr lang="fi-FI" dirty="0"/>
-              <a:t> an </a:t>
-            </a:r>
-            <a:r>
-              <a:rPr lang="fi-FI" dirty="0" err="1"/>
-              <a:t>item</a:t>
+              <a:t>bad</a:t>
             </a:r>
             <a:endParaRPr lang="fi-FI" dirty="0"/>
           </a:p>
@@ -3910,7 +4005,7 @@
     </p:spTree>
     <p:extLst>
       <p:ext uri="{BB962C8B-B14F-4D97-AF65-F5344CB8AC3E}">
-        <p14:creationId xmlns:p14="http://schemas.microsoft.com/office/powerpoint/2010/main" val="120259720"/>
+        <p14:creationId xmlns:p14="http://schemas.microsoft.com/office/powerpoint/2010/main" val="3548241074"/>
       </p:ext>
     </p:extLst>
   </p:cSld>
@@ -3942,6 +4037,263 @@
           <p:cNvPr id="2" name="Otsikko 1">
             <a:extLst>
               <a:ext uri="{FF2B5EF4-FFF2-40B4-BE49-F238E27FC236}">
+                <a16:creationId xmlns:a16="http://schemas.microsoft.com/office/drawing/2014/main" id="{1B7A2034-D8C2-4D49-A8F8-A8EC970047EC}"/>
+              </a:ext>
+            </a:extLst>
+          </p:cNvPr>
+          <p:cNvSpPr>
+            <a:spLocks noGrp="1"/>
+          </p:cNvSpPr>
+          <p:nvPr>
+            <p:ph type="title"/>
+          </p:nvPr>
+        </p:nvSpPr>
+        <p:spPr/>
+        <p:txBody>
+          <a:bodyPr/>
+          <a:lstStyle/>
+          <a:p>
+            <a:r>
+              <a:rPr lang="fi-FI" dirty="0" err="1"/>
+              <a:t>Explanations</a:t>
+            </a:r>
+            <a:r>
+              <a:rPr lang="fi-FI" dirty="0"/>
+              <a:t>: </a:t>
+            </a:r>
+            <a:r>
+              <a:rPr lang="fi-FI" dirty="0" err="1"/>
+              <a:t>why</a:t>
+            </a:r>
+            <a:r>
+              <a:rPr lang="fi-FI" dirty="0"/>
+              <a:t> </a:t>
+            </a:r>
+            <a:r>
+              <a:rPr lang="fi-FI" dirty="0" err="1"/>
+              <a:t>not</a:t>
+            </a:r>
+            <a:r>
+              <a:rPr lang="fi-FI" dirty="0"/>
+              <a:t> genre</a:t>
+            </a:r>
+          </a:p>
+        </p:txBody>
+      </p:sp>
+      <p:sp>
+        <p:nvSpPr>
+          <p:cNvPr id="3" name="Sisällön paikkamerkki 2">
+            <a:extLst>
+              <a:ext uri="{FF2B5EF4-FFF2-40B4-BE49-F238E27FC236}">
+                <a16:creationId xmlns:a16="http://schemas.microsoft.com/office/drawing/2014/main" id="{47FC3C59-7D3B-C9CD-B2D2-AB357AEA95BA}"/>
+              </a:ext>
+            </a:extLst>
+          </p:cNvPr>
+          <p:cNvSpPr>
+            <a:spLocks noGrp="1"/>
+          </p:cNvSpPr>
+          <p:nvPr>
+            <p:ph idx="1"/>
+          </p:nvPr>
+        </p:nvSpPr>
+        <p:spPr/>
+        <p:txBody>
+          <a:bodyPr/>
+          <a:lstStyle/>
+          <a:p>
+            <a:r>
+              <a:rPr lang="fi-FI" dirty="0"/>
+              <a:t>In </a:t>
+            </a:r>
+            <a:r>
+              <a:rPr lang="fi-FI" dirty="0" err="1"/>
+              <a:t>the</a:t>
+            </a:r>
+            <a:r>
+              <a:rPr lang="fi-FI" dirty="0"/>
+              <a:t> </a:t>
+            </a:r>
+            <a:r>
+              <a:rPr lang="fi-FI" dirty="0" err="1"/>
+              <a:t>paper</a:t>
+            </a:r>
+            <a:r>
+              <a:rPr lang="fi-FI" dirty="0"/>
+              <a:t>: </a:t>
+            </a:r>
+          </a:p>
+          <a:p>
+            <a:r>
+              <a:rPr lang="fi-FI" dirty="0" err="1"/>
+              <a:t>Explanation</a:t>
+            </a:r>
+            <a:r>
+              <a:rPr lang="fi-FI" dirty="0"/>
+              <a:t> is </a:t>
+            </a:r>
+            <a:r>
+              <a:rPr lang="fi-FI" dirty="0" err="1"/>
+              <a:t>union</a:t>
+            </a:r>
+            <a:r>
+              <a:rPr lang="fi-FI" dirty="0"/>
+              <a:t> of </a:t>
+            </a:r>
+            <a:r>
+              <a:rPr lang="fi-FI" dirty="0" err="1"/>
+              <a:t>answers</a:t>
+            </a:r>
+            <a:r>
+              <a:rPr lang="fi-FI" dirty="0"/>
+              <a:t> for </a:t>
+            </a:r>
+            <a:r>
+              <a:rPr lang="fi-FI" dirty="0" err="1"/>
+              <a:t>items</a:t>
+            </a:r>
+            <a:r>
+              <a:rPr lang="fi-FI" dirty="0"/>
+              <a:t> in genre</a:t>
+            </a:r>
+          </a:p>
+          <a:p>
+            <a:r>
+              <a:rPr lang="fi-FI" dirty="0"/>
+              <a:t>In </a:t>
+            </a:r>
+            <a:r>
+              <a:rPr lang="fi-FI" dirty="0" err="1"/>
+              <a:t>our</a:t>
+            </a:r>
+            <a:r>
+              <a:rPr lang="fi-FI" dirty="0"/>
+              <a:t> </a:t>
+            </a:r>
+            <a:r>
+              <a:rPr lang="fi-FI" dirty="0" err="1"/>
+              <a:t>implementation</a:t>
+            </a:r>
+            <a:r>
+              <a:rPr lang="fi-FI" dirty="0"/>
+              <a:t>:</a:t>
+            </a:r>
+          </a:p>
+          <a:p>
+            <a:r>
+              <a:rPr lang="fi-FI" dirty="0" err="1"/>
+              <a:t>Explanations</a:t>
+            </a:r>
+            <a:r>
+              <a:rPr lang="fi-FI" dirty="0"/>
+              <a:t> made </a:t>
+            </a:r>
+            <a:r>
+              <a:rPr lang="fi-FI" dirty="0" err="1"/>
+              <a:t>calculating</a:t>
+            </a:r>
+            <a:r>
+              <a:rPr lang="fi-FI" dirty="0"/>
+              <a:t> </a:t>
+            </a:r>
+            <a:r>
+              <a:rPr lang="fi-FI" dirty="0" err="1"/>
+              <a:t>averages</a:t>
+            </a:r>
+            <a:r>
+              <a:rPr lang="fi-FI" dirty="0"/>
+              <a:t>, </a:t>
+            </a:r>
+            <a:r>
+              <a:rPr lang="fi-FI" dirty="0" err="1"/>
+              <a:t>maximum</a:t>
+            </a:r>
+            <a:r>
+              <a:rPr lang="fi-FI" dirty="0"/>
+              <a:t> </a:t>
+            </a:r>
+            <a:r>
+              <a:rPr lang="fi-FI" dirty="0" err="1"/>
+              <a:t>ratings</a:t>
+            </a:r>
+            <a:r>
+              <a:rPr lang="fi-FI" dirty="0"/>
+              <a:t> and </a:t>
+            </a:r>
+            <a:r>
+              <a:rPr lang="fi-FI" dirty="0" err="1"/>
+              <a:t>amount</a:t>
+            </a:r>
+            <a:r>
+              <a:rPr lang="fi-FI" dirty="0"/>
+              <a:t> of </a:t>
+            </a:r>
+            <a:r>
+              <a:rPr lang="fi-FI" dirty="0" err="1"/>
+              <a:t>persons</a:t>
+            </a:r>
+            <a:r>
+              <a:rPr lang="fi-FI" dirty="0"/>
+              <a:t> </a:t>
+            </a:r>
+            <a:r>
+              <a:rPr lang="fi-FI" dirty="0" err="1"/>
+              <a:t>who</a:t>
+            </a:r>
+            <a:r>
+              <a:rPr lang="fi-FI" dirty="0"/>
+              <a:t> </a:t>
+            </a:r>
+            <a:r>
+              <a:rPr lang="fi-FI" dirty="0" err="1"/>
+              <a:t>rated</a:t>
+            </a:r>
+            <a:r>
+              <a:rPr lang="fi-FI" dirty="0"/>
+              <a:t> an </a:t>
+            </a:r>
+            <a:r>
+              <a:rPr lang="fi-FI" dirty="0" err="1"/>
+              <a:t>item</a:t>
+            </a:r>
+            <a:endParaRPr lang="fi-FI" dirty="0"/>
+          </a:p>
+        </p:txBody>
+      </p:sp>
+    </p:spTree>
+    <p:extLst>
+      <p:ext uri="{BB962C8B-B14F-4D97-AF65-F5344CB8AC3E}">
+        <p14:creationId xmlns:p14="http://schemas.microsoft.com/office/powerpoint/2010/main" val="120259720"/>
+      </p:ext>
+    </p:extLst>
+  </p:cSld>
+  <p:clrMapOvr>
+    <a:masterClrMapping/>
+  </p:clrMapOvr>
+</p:sld>
+</file>
+
+<file path=ppt/slides/slide5.xml><?xml version="1.0" encoding="utf-8"?>
+<p:sld xmlns:a="http://schemas.openxmlformats.org/drawingml/2006/main" xmlns:r="http://schemas.openxmlformats.org/officeDocument/2006/relationships" xmlns:p="http://schemas.openxmlformats.org/presentationml/2006/main">
+  <p:cSld>
+    <p:spTree>
+      <p:nvGrpSpPr>
+        <p:cNvPr id="1" name=""/>
+        <p:cNvGrpSpPr/>
+        <p:nvPr/>
+      </p:nvGrpSpPr>
+      <p:grpSpPr>
+        <a:xfrm>
+          <a:off x="0" y="0"/>
+          <a:ext cx="0" cy="0"/>
+          <a:chOff x="0" y="0"/>
+          <a:chExt cx="0" cy="0"/>
+        </a:xfrm>
+      </p:grpSpPr>
+      <p:sp>
+        <p:nvSpPr>
+          <p:cNvPr id="2" name="Otsikko 1">
+            <a:extLst>
+              <a:ext uri="{FF2B5EF4-FFF2-40B4-BE49-F238E27FC236}">
                 <a16:creationId xmlns:a16="http://schemas.microsoft.com/office/drawing/2014/main" id="{686101CA-E680-D15C-BB3B-49F860237F21}"/>
               </a:ext>
             </a:extLst>
@@ -4249,10 +4601,9 @@
               <a:t>people</a:t>
             </a:r>
             <a:r>
-              <a:rPr lang="fi-FI"/>
+              <a:rPr lang="fi-FI" dirty="0"/>
               <a:t>)</a:t>
             </a:r>
-            <a:endParaRPr lang="fi-FI" dirty="0"/>
           </a:p>
         </p:txBody>
       </p:sp>

--- a/Explanations.pptx
+++ b/Explanations.pptx
@@ -4000,6 +4000,55 @@
             </a:r>
             <a:endParaRPr lang="fi-FI" dirty="0"/>
           </a:p>
+          <a:p>
+            <a:endParaRPr lang="fi-FI" dirty="0"/>
+          </a:p>
+          <a:p>
+            <a:pPr marL="0" indent="0">
+              <a:buNone/>
+            </a:pPr>
+            <a:r>
+              <a:rPr lang="fi-FI" dirty="0"/>
+              <a:t>So </a:t>
+            </a:r>
+            <a:r>
+              <a:rPr lang="fi-FI" dirty="0" err="1"/>
+              <a:t>depending</a:t>
+            </a:r>
+            <a:r>
+              <a:rPr lang="fi-FI" dirty="0"/>
+              <a:t> </a:t>
+            </a:r>
+            <a:r>
+              <a:rPr lang="fi-FI" dirty="0" err="1"/>
+              <a:t>the</a:t>
+            </a:r>
+            <a:r>
+              <a:rPr lang="fi-FI" dirty="0"/>
+              <a:t> </a:t>
+            </a:r>
+            <a:r>
+              <a:rPr lang="fi-FI" dirty="0" err="1"/>
+              <a:t>result</a:t>
+            </a:r>
+            <a:r>
+              <a:rPr lang="fi-FI" dirty="0"/>
+              <a:t> it </a:t>
+            </a:r>
+            <a:r>
+              <a:rPr lang="fi-FI" dirty="0" err="1"/>
+              <a:t>gives</a:t>
+            </a:r>
+            <a:r>
+              <a:rPr lang="fi-FI" dirty="0"/>
+              <a:t> on </a:t>
+            </a:r>
+            <a:r>
+              <a:rPr lang="fi-FI"/>
+              <a:t>explanation</a:t>
+            </a:r>
+            <a:endParaRPr lang="fi-FI" dirty="0"/>
+          </a:p>
         </p:txBody>
       </p:sp>
     </p:spTree>

--- a/Explanations.pptx
+++ b/Explanations.pptx
@@ -3587,11 +3587,11 @@
             </a:r>
             <a:r>
               <a:rPr lang="fi-FI" dirty="0" err="1"/>
-              <a:t>part</a:t>
-            </a:r>
-            <a:r>
-              <a:rPr lang="fi-FI" dirty="0"/>
-              <a:t> of </a:t>
+              <a:t>parts</a:t>
+            </a:r>
+            <a:r>
+              <a:rPr lang="fi-FI" dirty="0"/>
+              <a:t> of an </a:t>
             </a:r>
             <a:r>
               <a:rPr lang="fi-FI" dirty="0" err="1"/>
@@ -3770,7 +3770,7 @@
             </a:r>
             <a:r>
               <a:rPr lang="fi-FI" dirty="0" err="1"/>
-              <a:t>similiar</a:t>
+              <a:t>similar</a:t>
             </a:r>
             <a:r>
               <a:rPr lang="fi-FI" dirty="0"/>
@@ -4044,7 +4044,7 @@
               <a:t> on </a:t>
             </a:r>
             <a:r>
-              <a:rPr lang="fi-FI"/>
+              <a:rPr lang="fi-FI" dirty="0" err="1"/>
               <a:t>explanation</a:t>
             </a:r>
             <a:endParaRPr lang="fi-FI" dirty="0"/>
